--- a/slides/2024/slides_20250106.pptx
+++ b/slides/2024/slides_20250106.pptx
@@ -22902,14 +22902,14 @@
 <file path=customXml/itemProps2.xml><?xml version="1.0" encoding="utf-8"?>
 <ds:datastoreItem xmlns:ds="http://schemas.openxmlformats.org/officeDocument/2006/customXml" ds:itemID="{ACD7CA8D-F7E9-4DB4-9EFF-5F098173D501}">
   <ds:schemaRefs>
+    <ds:schemaRef ds:uri="http://schemas.microsoft.com/office/2006/documentManagement/types"/>
+    <ds:schemaRef ds:uri="http://schemas.microsoft.com/office/2006/metadata/properties"/>
+    <ds:schemaRef ds:uri="http://purl.org/dc/terms/"/>
+    <ds:schemaRef ds:uri="http://purl.org/dc/dcmitype/"/>
+    <ds:schemaRef ds:uri="http://schemas.openxmlformats.org/package/2006/metadata/core-properties"/>
     <ds:schemaRef ds:uri="4c2def87-6459-45fe-82b8-2c44ad774fe7"/>
-    <ds:schemaRef ds:uri="http://purl.org/dc/dcmitype/"/>
+    <ds:schemaRef ds:uri="http://purl.org/dc/elements/1.1/"/>
     <ds:schemaRef ds:uri="http://schemas.microsoft.com/office/infopath/2007/PartnerControls"/>
-    <ds:schemaRef ds:uri="http://purl.org/dc/elements/1.1/"/>
-    <ds:schemaRef ds:uri="http://schemas.microsoft.com/office/2006/metadata/properties"/>
-    <ds:schemaRef ds:uri="http://schemas.microsoft.com/office/2006/documentManagement/types"/>
-    <ds:schemaRef ds:uri="http://purl.org/dc/terms/"/>
-    <ds:schemaRef ds:uri="http://schemas.openxmlformats.org/package/2006/metadata/core-properties"/>
     <ds:schemaRef ds:uri="284c3d22-818e-4cb3-91ed-c315e7cac822"/>
     <ds:schemaRef ds:uri="http://www.w3.org/XML/1998/namespace"/>
   </ds:schemaRefs>
